--- a/hw10/presentation.pptx
+++ b/hw10/presentation.pptx
@@ -3132,6 +3132,13 @@
   <p:clrMapOvr>
     <a:masterClrMapping/>
   </p:clrMapOvr>
+  <p:timing>
+    <p:tnLst>
+      <p:par>
+        <p:cTn id="1" dur="indefinite" restart="never" nodeType="tmRoot"/>
+      </p:par>
+    </p:tnLst>
+  </p:timing>
 </p:sld>
 </file>
 
@@ -3249,6 +3256,13 @@
   <p:clrMapOvr>
     <a:masterClrMapping/>
   </p:clrMapOvr>
+  <p:timing>
+    <p:tnLst>
+      <p:par>
+        <p:cTn id="1" dur="indefinite" restart="never" nodeType="tmRoot"/>
+      </p:par>
+    </p:tnLst>
+  </p:timing>
 </p:sld>
 </file>
 
@@ -3309,15 +3323,27 @@
           <a:p>
             <a:r>
               <a:rPr lang="en-US" dirty="0" smtClean="0"/>
-              <a:t>On the BBC data 53.2% Word Error Rate, compared to 73.8% Word Error Rate using </a:t>
-            </a:r>
-            <a:r>
-              <a:rPr lang="en-US" i="1" dirty="0" smtClean="0"/>
+              <a:t>On the BBC data 53.2% Word Error </a:t>
+            </a:r>
+            <a:r>
+              <a:rPr lang="en-US" dirty="0" smtClean="0"/>
+              <a:t>Rate using </a:t>
+            </a:r>
+            <a:r>
+              <a:rPr lang="en-US" i="1" dirty="0"/>
               <a:t>Watch</a:t>
             </a:r>
             <a:r>
-              <a:rPr lang="en-US" dirty="0" smtClean="0"/>
-              <a:t> only.</a:t>
+              <a:rPr lang="en-US" dirty="0"/>
+              <a:t> only, </a:t>
+            </a:r>
+            <a:r>
+              <a:rPr lang="en-US" dirty="0" smtClean="0"/>
+              <a:t>compared to 73.8% Word Error </a:t>
+            </a:r>
+            <a:r>
+              <a:rPr lang="en-US" dirty="0" smtClean="0"/>
+              <a:t>Rate from a professional lip reader.</a:t>
             </a:r>
             <a:endParaRPr lang="en-US" dirty="0"/>
           </a:p>
@@ -3363,6 +3389,13 @@
   <p:clrMapOvr>
     <a:masterClrMapping/>
   </p:clrMapOvr>
+  <p:timing>
+    <p:tnLst>
+      <p:par>
+        <p:cTn id="1" dur="indefinite" restart="never" nodeType="tmRoot"/>
+      </p:par>
+    </p:tnLst>
+  </p:timing>
 </p:sld>
 </file>
 
@@ -3434,12 +3467,12 @@
           </a:p>
           <a:p>
             <a:r>
-              <a:rPr lang="en-US" dirty="0" err="1" smtClean="0"/>
-              <a:t>Deepmind</a:t>
-            </a:r>
-            <a:r>
-              <a:rPr lang="en-US" dirty="0" smtClean="0"/>
-              <a:t> generated a data set for learning for future lip reading efforts</a:t>
+              <a:rPr lang="en-US" dirty="0" smtClean="0"/>
+              <a:t>DeepMind </a:t>
+            </a:r>
+            <a:r>
+              <a:rPr lang="en-US" dirty="0" smtClean="0"/>
+              <a:t>generated a data set for learning for future lip reading efforts</a:t>
             </a:r>
             <a:endParaRPr lang="en-US" dirty="0"/>
           </a:p>
@@ -3455,6 +3488,13 @@
   <p:clrMapOvr>
     <a:masterClrMapping/>
   </p:clrMapOvr>
+  <p:timing>
+    <p:tnLst>
+      <p:par>
+        <p:cTn id="1" dur="indefinite" restart="never" nodeType="tmRoot"/>
+      </p:par>
+    </p:tnLst>
+  </p:timing>
 </p:sld>
 </file>
 
@@ -3737,6 +3777,13 @@
   <p:clrMapOvr>
     <a:masterClrMapping/>
   </p:clrMapOvr>
+  <p:timing>
+    <p:tnLst>
+      <p:par>
+        <p:cTn id="1" dur="indefinite" restart="never" nodeType="tmRoot"/>
+      </p:par>
+    </p:tnLst>
+  </p:timing>
 </p:sld>
 </file>
 
@@ -3827,6 +3874,13 @@
   <p:clrMapOvr>
     <a:masterClrMapping/>
   </p:clrMapOvr>
+  <p:timing>
+    <p:tnLst>
+      <p:par>
+        <p:cTn id="1" dur="indefinite" restart="never" nodeType="tmRoot"/>
+      </p:par>
+    </p:tnLst>
+  </p:timing>
 </p:sld>
 </file>
 
@@ -3911,7 +3965,17 @@
           <a:p>
             <a:r>
               <a:rPr lang="en-US" dirty="0" smtClean="0"/>
-              <a:t>Used in the open world</a:t>
+              <a:t>Used in the open </a:t>
+            </a:r>
+            <a:r>
+              <a:rPr lang="en-US" dirty="0" smtClean="0"/>
+              <a:t>world</a:t>
+            </a:r>
+          </a:p>
+          <a:p>
+            <a:r>
+              <a:rPr lang="en-US" dirty="0" smtClean="0"/>
+              <a:t>How to do this?</a:t>
             </a:r>
             <a:endParaRPr lang="en-US" dirty="0"/>
           </a:p>
@@ -3927,6 +3991,13 @@
   <p:clrMapOvr>
     <a:masterClrMapping/>
   </p:clrMapOvr>
+  <p:timing>
+    <p:tnLst>
+      <p:par>
+        <p:cTn id="1" dur="indefinite" restart="never" nodeType="tmRoot"/>
+      </p:par>
+    </p:tnLst>
+  </p:timing>
 </p:sld>
 </file>
 
@@ -4059,6 +4130,13 @@
   <p:clrMapOvr>
     <a:masterClrMapping/>
   </p:clrMapOvr>
+  <p:timing>
+    <p:tnLst>
+      <p:par>
+        <p:cTn id="1" dur="indefinite" restart="never" nodeType="tmRoot"/>
+      </p:par>
+    </p:tnLst>
+  </p:timing>
 </p:sld>
 </file>
 
@@ -4185,6 +4263,13 @@
   <p:clrMapOvr>
     <a:masterClrMapping/>
   </p:clrMapOvr>
+  <p:timing>
+    <p:tnLst>
+      <p:par>
+        <p:cTn id="1" dur="indefinite" restart="never" nodeType="tmRoot"/>
+      </p:par>
+    </p:tnLst>
+  </p:timing>
 </p:sld>
 </file>
 
@@ -4240,7 +4325,9 @@
         </p:nvSpPr>
         <p:spPr/>
         <p:txBody>
-          <a:bodyPr/>
+          <a:bodyPr>
+            <a:normAutofit/>
+          </a:bodyPr>
           <a:lstStyle/>
           <a:p>
             <a:r>
@@ -4309,8 +4396,13 @@
             </a:r>
             <a:r>
               <a:rPr lang="en-US" dirty="0" smtClean="0"/>
-              <a:t> to generate a probability distribution for characters</a:t>
-            </a:r>
+              <a:t> to generate a probability distribution for </a:t>
+            </a:r>
+            <a:r>
+              <a:rPr lang="en-US" dirty="0" smtClean="0"/>
+              <a:t>characters based on previous data</a:t>
+            </a:r>
+            <a:endParaRPr lang="en-US" dirty="0" smtClean="0"/>
           </a:p>
           <a:p>
             <a:r>
@@ -4319,14 +4411,12 @@
             </a:r>
             <a:r>
               <a:rPr lang="en-US" dirty="0" smtClean="0"/>
-              <a:t>perceptron (MLP)</a:t>
-            </a:r>
-            <a:endParaRPr lang="en-US" dirty="0"/>
-          </a:p>
-          <a:p>
-            <a:pPr marL="0" indent="0">
-              <a:buNone/>
-            </a:pPr>
+              <a:t>perceptron (MLP</a:t>
+            </a:r>
+            <a:r>
+              <a:rPr lang="en-US" dirty="0" smtClean="0"/>
+              <a:t>)</a:t>
+            </a:r>
             <a:endParaRPr lang="en-US" dirty="0" smtClean="0"/>
           </a:p>
           <a:p>
@@ -4344,6 +4434,13 @@
   <p:clrMapOvr>
     <a:masterClrMapping/>
   </p:clrMapOvr>
+  <p:timing>
+    <p:tnLst>
+      <p:par>
+        <p:cTn id="1" dur="indefinite" restart="never" nodeType="tmRoot"/>
+      </p:par>
+    </p:tnLst>
+  </p:timing>
 </p:sld>
 </file>
 
@@ -4455,6 +4552,13 @@
   <p:clrMapOvr>
     <a:masterClrMapping/>
   </p:clrMapOvr>
+  <p:timing>
+    <p:tnLst>
+      <p:par>
+        <p:cTn id="1" dur="indefinite" restart="never" nodeType="tmRoot"/>
+      </p:par>
+    </p:tnLst>
+  </p:timing>
 </p:sld>
 </file>
 
@@ -4561,6 +4665,13 @@
   <p:clrMapOvr>
     <a:masterClrMapping/>
   </p:clrMapOvr>
+  <p:timing>
+    <p:tnLst>
+      <p:par>
+        <p:cTn id="1" dur="indefinite" restart="never" nodeType="tmRoot"/>
+      </p:par>
+    </p:tnLst>
+  </p:timing>
 </p:sld>
 </file>
 
@@ -4687,6 +4798,13 @@
   <p:clrMapOvr>
     <a:masterClrMapping/>
   </p:clrMapOvr>
+  <p:timing>
+    <p:tnLst>
+      <p:par>
+        <p:cTn id="1" dur="indefinite" restart="never" nodeType="tmRoot"/>
+      </p:par>
+    </p:tnLst>
+  </p:timing>
 </p:sld>
 </file>
 

--- a/hw10/presentation.pptx
+++ b/hw10/presentation.pptx
@@ -301,7 +301,7 @@
             <a:fld id="{1D8BD707-D9CF-40AE-B4C6-C98DA3205C09}" type="datetimeFigureOut">
               <a:rPr lang="en-US" smtClean="0"/>
               <a:pPr/>
-              <a:t>2/28/2017</a:t>
+              <a:t>3/1/2017</a:t>
             </a:fld>
             <a:endParaRPr lang="en-US"/>
           </a:p>
@@ -468,7 +468,7 @@
             <a:fld id="{1D8BD707-D9CF-40AE-B4C6-C98DA3205C09}" type="datetimeFigureOut">
               <a:rPr lang="en-US" smtClean="0"/>
               <a:pPr/>
-              <a:t>2/28/2017</a:t>
+              <a:t>3/1/2017</a:t>
             </a:fld>
             <a:endParaRPr lang="en-US"/>
           </a:p>
@@ -645,7 +645,7 @@
             <a:fld id="{1D8BD707-D9CF-40AE-B4C6-C98DA3205C09}" type="datetimeFigureOut">
               <a:rPr lang="en-US" smtClean="0"/>
               <a:pPr/>
-              <a:t>2/28/2017</a:t>
+              <a:t>3/1/2017</a:t>
             </a:fld>
             <a:endParaRPr lang="en-US"/>
           </a:p>
@@ -812,7 +812,7 @@
             <a:fld id="{1D8BD707-D9CF-40AE-B4C6-C98DA3205C09}" type="datetimeFigureOut">
               <a:rPr lang="en-US" smtClean="0"/>
               <a:pPr/>
-              <a:t>2/28/2017</a:t>
+              <a:t>3/1/2017</a:t>
             </a:fld>
             <a:endParaRPr lang="en-US"/>
           </a:p>
@@ -1055,7 +1055,7 @@
             <a:fld id="{1D8BD707-D9CF-40AE-B4C6-C98DA3205C09}" type="datetimeFigureOut">
               <a:rPr lang="en-US" smtClean="0"/>
               <a:pPr/>
-              <a:t>2/28/2017</a:t>
+              <a:t>3/1/2017</a:t>
             </a:fld>
             <a:endParaRPr lang="en-US"/>
           </a:p>
@@ -1340,7 +1340,7 @@
             <a:fld id="{1D8BD707-D9CF-40AE-B4C6-C98DA3205C09}" type="datetimeFigureOut">
               <a:rPr lang="en-US" smtClean="0"/>
               <a:pPr/>
-              <a:t>2/28/2017</a:t>
+              <a:t>3/1/2017</a:t>
             </a:fld>
             <a:endParaRPr lang="en-US"/>
           </a:p>
@@ -1759,7 +1759,7 @@
             <a:fld id="{1D8BD707-D9CF-40AE-B4C6-C98DA3205C09}" type="datetimeFigureOut">
               <a:rPr lang="en-US" smtClean="0"/>
               <a:pPr/>
-              <a:t>2/28/2017</a:t>
+              <a:t>3/1/2017</a:t>
             </a:fld>
             <a:endParaRPr lang="en-US"/>
           </a:p>
@@ -1874,7 +1874,7 @@
             <a:fld id="{1D8BD707-D9CF-40AE-B4C6-C98DA3205C09}" type="datetimeFigureOut">
               <a:rPr lang="en-US" smtClean="0"/>
               <a:pPr/>
-              <a:t>2/28/2017</a:t>
+              <a:t>3/1/2017</a:t>
             </a:fld>
             <a:endParaRPr lang="en-US"/>
           </a:p>
@@ -1966,7 +1966,7 @@
             <a:fld id="{1D8BD707-D9CF-40AE-B4C6-C98DA3205C09}" type="datetimeFigureOut">
               <a:rPr lang="en-US" smtClean="0"/>
               <a:pPr/>
-              <a:t>2/28/2017</a:t>
+              <a:t>3/1/2017</a:t>
             </a:fld>
             <a:endParaRPr lang="en-US"/>
           </a:p>
@@ -2240,7 +2240,7 @@
             <a:fld id="{1D8BD707-D9CF-40AE-B4C6-C98DA3205C09}" type="datetimeFigureOut">
               <a:rPr lang="en-US" smtClean="0"/>
               <a:pPr/>
-              <a:t>2/28/2017</a:t>
+              <a:t>3/1/2017</a:t>
             </a:fld>
             <a:endParaRPr lang="en-US"/>
           </a:p>
@@ -2490,7 +2490,7 @@
             <a:fld id="{1D8BD707-D9CF-40AE-B4C6-C98DA3205C09}" type="datetimeFigureOut">
               <a:rPr lang="en-US" smtClean="0"/>
               <a:pPr/>
-              <a:t>2/28/2017</a:t>
+              <a:t>3/1/2017</a:t>
             </a:fld>
             <a:endParaRPr lang="en-US"/>
           </a:p>
@@ -2700,7 +2700,7 @@
             <a:fld id="{1D8BD707-D9CF-40AE-B4C6-C98DA3205C09}" type="datetimeFigureOut">
               <a:rPr lang="en-US" smtClean="0"/>
               <a:pPr/>
-              <a:t>2/28/2017</a:t>
+              <a:t>3/1/2017</a:t>
             </a:fld>
             <a:endParaRPr lang="en-US"/>
           </a:p>
@@ -3323,11 +3323,7 @@
           <a:p>
             <a:r>
               <a:rPr lang="en-US" dirty="0" smtClean="0"/>
-              <a:t>On the BBC data 53.2% Word Error </a:t>
-            </a:r>
-            <a:r>
-              <a:rPr lang="en-US" dirty="0" smtClean="0"/>
-              <a:t>Rate using </a:t>
+              <a:t>On the BBC data 53.2% Word Error Rate using </a:t>
             </a:r>
             <a:r>
               <a:rPr lang="en-US" i="1" dirty="0"/>
@@ -3339,11 +3335,7 @@
             </a:r>
             <a:r>
               <a:rPr lang="en-US" dirty="0" smtClean="0"/>
-              <a:t>compared to 73.8% Word Error </a:t>
-            </a:r>
-            <a:r>
-              <a:rPr lang="en-US" dirty="0" smtClean="0"/>
-              <a:t>Rate from a professional lip reader.</a:t>
+              <a:t>compared to 73.8% Word Error Rate from a professional lip reader.</a:t>
             </a:r>
             <a:endParaRPr lang="en-US" dirty="0"/>
           </a:p>
@@ -3468,11 +3460,7 @@
           <a:p>
             <a:r>
               <a:rPr lang="en-US" dirty="0" smtClean="0"/>
-              <a:t>DeepMind </a:t>
-            </a:r>
-            <a:r>
-              <a:rPr lang="en-US" dirty="0" smtClean="0"/>
-              <a:t>generated a data set for learning for future lip reading efforts</a:t>
+              <a:t>DeepMind generated a data set for learning for future lip reading efforts</a:t>
             </a:r>
             <a:endParaRPr lang="en-US" dirty="0"/>
           </a:p>
@@ -3965,11 +3953,7 @@
           <a:p>
             <a:r>
               <a:rPr lang="en-US" dirty="0" smtClean="0"/>
-              <a:t>Used in the open </a:t>
-            </a:r>
-            <a:r>
-              <a:rPr lang="en-US" dirty="0" smtClean="0"/>
-              <a:t>world</a:t>
+              <a:t>Used in the open world</a:t>
             </a:r>
           </a:p>
           <a:p>
@@ -4396,13 +4380,8 @@
             </a:r>
             <a:r>
               <a:rPr lang="en-US" dirty="0" smtClean="0"/>
-              <a:t> to generate a probability distribution for </a:t>
-            </a:r>
-            <a:r>
-              <a:rPr lang="en-US" dirty="0" smtClean="0"/>
-              <a:t>characters based on previous data</a:t>
-            </a:r>
-            <a:endParaRPr lang="en-US" dirty="0" smtClean="0"/>
+              <a:t> to generate a probability distribution for characters based on previous data</a:t>
+            </a:r>
           </a:p>
           <a:p>
             <a:r>
@@ -4411,13 +4390,8 @@
             </a:r>
             <a:r>
               <a:rPr lang="en-US" dirty="0" smtClean="0"/>
-              <a:t>perceptron (MLP</a:t>
-            </a:r>
-            <a:r>
-              <a:rPr lang="en-US" dirty="0" smtClean="0"/>
-              <a:t>)</a:t>
-            </a:r>
-            <a:endParaRPr lang="en-US" dirty="0" smtClean="0"/>
+              <a:t>perceptron (MLP)</a:t>
+            </a:r>
           </a:p>
           <a:p>
             <a:endParaRPr lang="en-US" i="1" dirty="0"/>
@@ -4628,8 +4602,16 @@
           </a:p>
           <a:p>
             <a:r>
-              <a:rPr lang="en-US" dirty="0" smtClean="0"/>
-              <a:t>Unsupervised training</a:t>
+              <a:rPr lang="en-US" dirty="0"/>
+              <a:t>S</a:t>
+            </a:r>
+            <a:r>
+              <a:rPr lang="en-US" dirty="0" smtClean="0"/>
+              <a:t>upervised </a:t>
+            </a:r>
+            <a:r>
+              <a:rPr lang="en-US" dirty="0" smtClean="0"/>
+              <a:t>training</a:t>
             </a:r>
           </a:p>
           <a:p>
